--- a/Презентация.pptx
+++ b/Презентация.pptx
@@ -5,25 +5,26 @@
     <p:sldMasterId id="2147483648" r:id="rId1"/>
   </p:sldMasterIdLst>
   <p:notesMasterIdLst>
-    <p:notesMasterId r:id="rId10"/>
+    <p:notesMasterId r:id="rId11"/>
   </p:notesMasterIdLst>
   <p:handoutMasterIdLst>
-    <p:handoutMasterId r:id="rId11"/>
+    <p:handoutMasterId r:id="rId12"/>
   </p:handoutMasterIdLst>
   <p:sldIdLst>
     <p:sldId id="256" r:id="rId2"/>
     <p:sldId id="264" r:id="rId3"/>
-    <p:sldId id="262" r:id="rId4"/>
-    <p:sldId id="265" r:id="rId5"/>
-    <p:sldId id="266" r:id="rId6"/>
-    <p:sldId id="267" r:id="rId7"/>
-    <p:sldId id="268" r:id="rId8"/>
-    <p:sldId id="269" r:id="rId9"/>
+    <p:sldId id="270" r:id="rId4"/>
+    <p:sldId id="262" r:id="rId5"/>
+    <p:sldId id="265" r:id="rId6"/>
+    <p:sldId id="266" r:id="rId7"/>
+    <p:sldId id="267" r:id="rId8"/>
+    <p:sldId id="268" r:id="rId9"/>
+    <p:sldId id="269" r:id="rId10"/>
   </p:sldIdLst>
   <p:sldSz cx="9144000" cy="6858000" type="screen4x3"/>
   <p:notesSz cx="6858000" cy="9144000"/>
   <p:custDataLst>
-    <p:tags r:id="rId12"/>
+    <p:tags r:id="rId13"/>
   </p:custDataLst>
   <p:defaultTextStyle>
     <a:defPPr>
@@ -235,7 +236,7 @@
           <a:p>
             <a:fld id="{886663A1-BE93-4F19-BCAE-33E954C20B2B}" type="datetimeFigureOut">
               <a:rPr lang="ru-RU" smtClean="0"/>
-              <a:t>14.06.2023</a:t>
+              <a:t>15.06.2023</a:t>
             </a:fld>
             <a:endParaRPr lang="ru-RU"/>
           </a:p>
@@ -400,7 +401,7 @@
           <a:p>
             <a:fld id="{E90C0431-2448-4DC3-AF70-2785FBE2C445}" type="datetimeFigureOut">
               <a:rPr lang="ru-RU" smtClean="0"/>
-              <a:t>14.06.2023</a:t>
+              <a:t>15.06.2023</a:t>
             </a:fld>
             <a:endParaRPr lang="ru-RU"/>
           </a:p>
@@ -886,7 +887,7 @@
             <a:fld id="{A5E48A96-E1BB-4C8F-80B2-32A47A48A9D5}" type="datetimeFigureOut">
               <a:rPr lang="ru-RU" smtClean="0"/>
               <a:pPr/>
-              <a:t>14.06.2023</a:t>
+              <a:t>15.06.2023</a:t>
             </a:fld>
             <a:endParaRPr lang="ru-RU"/>
           </a:p>
@@ -965,13 +966,13 @@
   <p:clrMapOvr>
     <a:masterClrMapping/>
   </p:clrMapOvr>
-  <mc:AlternateContent xmlns:mc="http://schemas.openxmlformats.org/markup-compatibility/2006">
-    <mc:Choice xmlns:p15="http://schemas.microsoft.com/office/powerpoint/2012/main" Requires="p15">
+  <mc:AlternateContent xmlns:mc="http://schemas.openxmlformats.org/markup-compatibility/2006" xmlns:p15="http://schemas.microsoft.com/office/powerpoint/2012/main">
+    <mc:Choice Requires="p15">
       <p:transition xmlns:p14="http://schemas.microsoft.com/office/powerpoint/2010/main" spd="slow" p14:dur="1250">
         <p15:prstTrans prst="pageCurlDouble"/>
       </p:transition>
     </mc:Choice>
-    <mc:Fallback>
+    <mc:Fallback xmlns="">
       <p:transition spd="slow">
         <p:fade/>
       </p:transition>
@@ -1160,7 +1161,7 @@
             <a:fld id="{A5E48A96-E1BB-4C8F-80B2-32A47A48A9D5}" type="datetimeFigureOut">
               <a:rPr lang="ru-RU" smtClean="0"/>
               <a:pPr/>
-              <a:t>14.06.2023</a:t>
+              <a:t>15.06.2023</a:t>
             </a:fld>
             <a:endParaRPr lang="ru-RU"/>
           </a:p>
@@ -1241,13 +1242,13 @@
   <p:clrMapOvr>
     <a:masterClrMapping/>
   </p:clrMapOvr>
-  <mc:AlternateContent xmlns:mc="http://schemas.openxmlformats.org/markup-compatibility/2006">
-    <mc:Choice xmlns:p15="http://schemas.microsoft.com/office/powerpoint/2012/main" Requires="p15">
+  <mc:AlternateContent xmlns:mc="http://schemas.openxmlformats.org/markup-compatibility/2006" xmlns:p15="http://schemas.microsoft.com/office/powerpoint/2012/main">
+    <mc:Choice Requires="p15">
       <p:transition xmlns:p14="http://schemas.microsoft.com/office/powerpoint/2010/main" spd="slow" p14:dur="1250">
         <p15:prstTrans prst="pageCurlDouble"/>
       </p:transition>
     </mc:Choice>
-    <mc:Fallback>
+    <mc:Fallback xmlns="">
       <p:transition spd="slow">
         <p:fade/>
       </p:transition>
@@ -1447,7 +1448,7 @@
             <a:fld id="{A5E48A96-E1BB-4C8F-80B2-32A47A48A9D5}" type="datetimeFigureOut">
               <a:rPr lang="ru-RU" smtClean="0"/>
               <a:pPr/>
-              <a:t>14.06.2023</a:t>
+              <a:t>15.06.2023</a:t>
             </a:fld>
             <a:endParaRPr lang="ru-RU"/>
           </a:p>
@@ -1528,13 +1529,13 @@
   <p:clrMapOvr>
     <a:masterClrMapping/>
   </p:clrMapOvr>
-  <mc:AlternateContent xmlns:mc="http://schemas.openxmlformats.org/markup-compatibility/2006">
-    <mc:Choice xmlns:p15="http://schemas.microsoft.com/office/powerpoint/2012/main" Requires="p15">
+  <mc:AlternateContent xmlns:mc="http://schemas.openxmlformats.org/markup-compatibility/2006" xmlns:p15="http://schemas.microsoft.com/office/powerpoint/2012/main">
+    <mc:Choice Requires="p15">
       <p:transition xmlns:p14="http://schemas.microsoft.com/office/powerpoint/2010/main" spd="slow" p14:dur="1250">
         <p15:prstTrans prst="pageCurlDouble"/>
       </p:transition>
     </mc:Choice>
-    <mc:Fallback>
+    <mc:Fallback xmlns="">
       <p:transition spd="slow">
         <p:fade/>
       </p:transition>
@@ -1591,7 +1592,7 @@
             <a:fld id="{A5E48A96-E1BB-4C8F-80B2-32A47A48A9D5}" type="datetimeFigureOut">
               <a:rPr lang="ru-RU" smtClean="0"/>
               <a:pPr/>
-              <a:t>14.06.2023</a:t>
+              <a:t>15.06.2023</a:t>
             </a:fld>
             <a:endParaRPr lang="ru-RU"/>
           </a:p>
@@ -1892,13 +1893,13 @@
   <p:clrMapOvr>
     <a:masterClrMapping/>
   </p:clrMapOvr>
-  <mc:AlternateContent xmlns:mc="http://schemas.openxmlformats.org/markup-compatibility/2006">
-    <mc:Choice xmlns:p15="http://schemas.microsoft.com/office/powerpoint/2012/main" Requires="p15">
+  <mc:AlternateContent xmlns:mc="http://schemas.openxmlformats.org/markup-compatibility/2006" xmlns:p15="http://schemas.microsoft.com/office/powerpoint/2012/main">
+    <mc:Choice Requires="p15">
       <p:transition xmlns:p14="http://schemas.microsoft.com/office/powerpoint/2010/main" spd="slow" p14:dur="1250">
         <p15:prstTrans prst="pageCurlDouble"/>
       </p:transition>
     </mc:Choice>
-    <mc:Fallback>
+    <mc:Fallback xmlns="">
       <p:transition spd="slow">
         <p:fade/>
       </p:transition>
@@ -2188,7 +2189,7 @@
             <a:fld id="{A5E48A96-E1BB-4C8F-80B2-32A47A48A9D5}" type="datetimeFigureOut">
               <a:rPr lang="ru-RU" smtClean="0"/>
               <a:pPr/>
-              <a:t>14.06.2023</a:t>
+              <a:t>15.06.2023</a:t>
             </a:fld>
             <a:endParaRPr lang="ru-RU"/>
           </a:p>
@@ -2263,13 +2264,13 @@
   <p:clrMapOvr>
     <a:masterClrMapping/>
   </p:clrMapOvr>
-  <mc:AlternateContent xmlns:mc="http://schemas.openxmlformats.org/markup-compatibility/2006">
-    <mc:Choice xmlns:p15="http://schemas.microsoft.com/office/powerpoint/2012/main" Requires="p15">
+  <mc:AlternateContent xmlns:mc="http://schemas.openxmlformats.org/markup-compatibility/2006" xmlns:p15="http://schemas.microsoft.com/office/powerpoint/2012/main">
+    <mc:Choice Requires="p15">
       <p:transition xmlns:p14="http://schemas.microsoft.com/office/powerpoint/2010/main" spd="slow" p14:dur="1250">
         <p15:prstTrans prst="pageCurlDouble"/>
       </p:transition>
     </mc:Choice>
-    <mc:Fallback>
+    <mc:Fallback xmlns="">
       <p:transition spd="slow">
         <p:fade/>
       </p:transition>
@@ -2479,7 +2480,7 @@
             <a:fld id="{A5E48A96-E1BB-4C8F-80B2-32A47A48A9D5}" type="datetimeFigureOut">
               <a:rPr lang="ru-RU" smtClean="0"/>
               <a:pPr/>
-              <a:t>14.06.2023</a:t>
+              <a:t>15.06.2023</a:t>
             </a:fld>
             <a:endParaRPr lang="ru-RU"/>
           </a:p>
@@ -2558,13 +2559,13 @@
   <p:clrMapOvr>
     <a:masterClrMapping/>
   </p:clrMapOvr>
-  <mc:AlternateContent xmlns:mc="http://schemas.openxmlformats.org/markup-compatibility/2006">
-    <mc:Choice xmlns:p15="http://schemas.microsoft.com/office/powerpoint/2012/main" Requires="p15">
+  <mc:AlternateContent xmlns:mc="http://schemas.openxmlformats.org/markup-compatibility/2006" xmlns:p15="http://schemas.microsoft.com/office/powerpoint/2012/main">
+    <mc:Choice Requires="p15">
       <p:transition xmlns:p14="http://schemas.microsoft.com/office/powerpoint/2010/main" spd="slow" p14:dur="1250">
         <p15:prstTrans prst="pageCurlDouble"/>
       </p:transition>
     </mc:Choice>
-    <mc:Fallback>
+    <mc:Fallback xmlns="">
       <p:transition spd="slow">
         <p:fade/>
       </p:transition>
@@ -3038,7 +3039,7 @@
             <a:fld id="{A5E48A96-E1BB-4C8F-80B2-32A47A48A9D5}" type="datetimeFigureOut">
               <a:rPr lang="ru-RU" smtClean="0"/>
               <a:pPr/>
-              <a:t>14.06.2023</a:t>
+              <a:t>15.06.2023</a:t>
             </a:fld>
             <a:endParaRPr lang="ru-RU"/>
           </a:p>
@@ -3129,13 +3130,13 @@
   <p:clrMapOvr>
     <a:masterClrMapping/>
   </p:clrMapOvr>
-  <mc:AlternateContent xmlns:mc="http://schemas.openxmlformats.org/markup-compatibility/2006">
-    <mc:Choice xmlns:p15="http://schemas.microsoft.com/office/powerpoint/2012/main" Requires="p15">
+  <mc:AlternateContent xmlns:mc="http://schemas.openxmlformats.org/markup-compatibility/2006" xmlns:p15="http://schemas.microsoft.com/office/powerpoint/2012/main">
+    <mc:Choice Requires="p15">
       <p:transition xmlns:p14="http://schemas.microsoft.com/office/powerpoint/2010/main" spd="slow" p14:dur="1250">
         <p15:prstTrans prst="pageCurlDouble"/>
       </p:transition>
     </mc:Choice>
-    <mc:Fallback>
+    <mc:Fallback xmlns="">
       <p:transition spd="slow">
         <p:fade/>
       </p:transition>
@@ -3222,7 +3223,7 @@
             <a:fld id="{A5E48A96-E1BB-4C8F-80B2-32A47A48A9D5}" type="datetimeFigureOut">
               <a:rPr lang="ru-RU" smtClean="0"/>
               <a:pPr/>
-              <a:t>14.06.2023</a:t>
+              <a:t>15.06.2023</a:t>
             </a:fld>
             <a:endParaRPr lang="ru-RU"/>
           </a:p>
@@ -3303,13 +3304,13 @@
   <p:clrMapOvr>
     <a:masterClrMapping/>
   </p:clrMapOvr>
-  <mc:AlternateContent xmlns:mc="http://schemas.openxmlformats.org/markup-compatibility/2006">
-    <mc:Choice xmlns:p15="http://schemas.microsoft.com/office/powerpoint/2012/main" Requires="p15">
+  <mc:AlternateContent xmlns:mc="http://schemas.openxmlformats.org/markup-compatibility/2006" xmlns:p15="http://schemas.microsoft.com/office/powerpoint/2012/main">
+    <mc:Choice Requires="p15">
       <p:transition xmlns:p14="http://schemas.microsoft.com/office/powerpoint/2010/main" spd="slow" p14:dur="1250">
         <p15:prstTrans prst="pageCurlDouble"/>
       </p:transition>
     </mc:Choice>
-    <mc:Fallback>
+    <mc:Fallback xmlns="">
       <p:transition spd="slow">
         <p:fade/>
       </p:transition>
@@ -3364,7 +3365,7 @@
             <a:fld id="{A5E48A96-E1BB-4C8F-80B2-32A47A48A9D5}" type="datetimeFigureOut">
               <a:rPr lang="ru-RU" smtClean="0"/>
               <a:pPr/>
-              <a:t>14.06.2023</a:t>
+              <a:t>15.06.2023</a:t>
             </a:fld>
             <a:endParaRPr lang="ru-RU"/>
           </a:p>
@@ -3445,13 +3446,13 @@
   <p:clrMapOvr>
     <a:masterClrMapping/>
   </p:clrMapOvr>
-  <mc:AlternateContent xmlns:mc="http://schemas.openxmlformats.org/markup-compatibility/2006">
-    <mc:Choice xmlns:p15="http://schemas.microsoft.com/office/powerpoint/2012/main" Requires="p15">
+  <mc:AlternateContent xmlns:mc="http://schemas.openxmlformats.org/markup-compatibility/2006" xmlns:p15="http://schemas.microsoft.com/office/powerpoint/2012/main">
+    <mc:Choice Requires="p15">
       <p:transition xmlns:p14="http://schemas.microsoft.com/office/powerpoint/2010/main" spd="slow" p14:dur="1250">
         <p15:prstTrans prst="pageCurlDouble"/>
       </p:transition>
     </mc:Choice>
-    <mc:Fallback>
+    <mc:Fallback xmlns="">
       <p:transition spd="slow">
         <p:fade/>
       </p:transition>
@@ -3735,7 +3736,7 @@
             <a:fld id="{A5E48A96-E1BB-4C8F-80B2-32A47A48A9D5}" type="datetimeFigureOut">
               <a:rPr lang="ru-RU" smtClean="0"/>
               <a:pPr/>
-              <a:t>14.06.2023</a:t>
+              <a:t>15.06.2023</a:t>
             </a:fld>
             <a:endParaRPr lang="ru-RU"/>
           </a:p>
@@ -3816,13 +3817,13 @@
   <p:clrMapOvr>
     <a:masterClrMapping/>
   </p:clrMapOvr>
-  <mc:AlternateContent xmlns:mc="http://schemas.openxmlformats.org/markup-compatibility/2006">
-    <mc:Choice xmlns:p15="http://schemas.microsoft.com/office/powerpoint/2012/main" Requires="p15">
+  <mc:AlternateContent xmlns:mc="http://schemas.openxmlformats.org/markup-compatibility/2006" xmlns:p15="http://schemas.microsoft.com/office/powerpoint/2012/main">
+    <mc:Choice Requires="p15">
       <p:transition xmlns:p14="http://schemas.microsoft.com/office/powerpoint/2010/main" spd="slow" p14:dur="1250">
         <p15:prstTrans prst="pageCurlDouble"/>
       </p:transition>
     </mc:Choice>
-    <mc:Fallback>
+    <mc:Fallback xmlns="">
       <p:transition spd="slow">
         <p:fade/>
       </p:transition>
@@ -4055,7 +4056,7 @@
             <a:fld id="{A5E48A96-E1BB-4C8F-80B2-32A47A48A9D5}" type="datetimeFigureOut">
               <a:rPr lang="ru-RU" smtClean="0"/>
               <a:pPr/>
-              <a:t>14.06.2023</a:t>
+              <a:t>15.06.2023</a:t>
             </a:fld>
             <a:endParaRPr lang="ru-RU"/>
           </a:p>
@@ -4136,13 +4137,13 @@
   <p:clrMapOvr>
     <a:masterClrMapping/>
   </p:clrMapOvr>
-  <mc:AlternateContent xmlns:mc="http://schemas.openxmlformats.org/markup-compatibility/2006">
-    <mc:Choice xmlns:p15="http://schemas.microsoft.com/office/powerpoint/2012/main" Requires="p15">
+  <mc:AlternateContent xmlns:mc="http://schemas.openxmlformats.org/markup-compatibility/2006" xmlns:p15="http://schemas.microsoft.com/office/powerpoint/2012/main">
+    <mc:Choice Requires="p15">
       <p:transition xmlns:p14="http://schemas.microsoft.com/office/powerpoint/2010/main" spd="slow" p14:dur="1250">
         <p15:prstTrans prst="pageCurlDouble"/>
       </p:transition>
     </mc:Choice>
-    <mc:Fallback>
+    <mc:Fallback xmlns="">
       <p:transition spd="slow">
         <p:fade/>
       </p:transition>
@@ -4309,7 +4310,7 @@
             <a:fld id="{A5E48A96-E1BB-4C8F-80B2-32A47A48A9D5}" type="datetimeFigureOut">
               <a:rPr lang="ru-RU" smtClean="0"/>
               <a:pPr/>
-              <a:t>14.06.2023</a:t>
+              <a:t>15.06.2023</a:t>
             </a:fld>
             <a:endParaRPr lang="ru-RU"/>
           </a:p>
@@ -4443,13 +4444,13 @@
     <p:sldLayoutId id="2147483658" r:id="rId10"/>
     <p:sldLayoutId id="2147483659" r:id="rId11"/>
   </p:sldLayoutIdLst>
-  <mc:AlternateContent xmlns:mc="http://schemas.openxmlformats.org/markup-compatibility/2006">
-    <mc:Choice xmlns:p15="http://schemas.microsoft.com/office/powerpoint/2012/main" Requires="p15">
+  <mc:AlternateContent xmlns:mc="http://schemas.openxmlformats.org/markup-compatibility/2006" xmlns:p15="http://schemas.microsoft.com/office/powerpoint/2012/main">
+    <mc:Choice Requires="p15">
       <p:transition xmlns:p14="http://schemas.microsoft.com/office/powerpoint/2010/main" spd="slow" p14:dur="1250">
         <p15:prstTrans prst="pageCurlDouble"/>
       </p:transition>
     </mc:Choice>
-    <mc:Fallback>
+    <mc:Fallback xmlns="">
       <p:transition spd="slow">
         <p:fade/>
       </p:transition>
@@ -4903,13 +4904,13 @@
   <p:clrMapOvr>
     <a:masterClrMapping/>
   </p:clrMapOvr>
-  <mc:AlternateContent xmlns:mc="http://schemas.openxmlformats.org/markup-compatibility/2006">
-    <mc:Choice xmlns:p15="http://schemas.microsoft.com/office/powerpoint/2012/main" Requires="p15">
+  <mc:AlternateContent xmlns:mc="http://schemas.openxmlformats.org/markup-compatibility/2006" xmlns:p15="http://schemas.microsoft.com/office/powerpoint/2012/main">
+    <mc:Choice Requires="p15">
       <p:transition xmlns:p14="http://schemas.microsoft.com/office/powerpoint/2010/main" spd="slow" p14:dur="1250">
         <p15:prstTrans prst="pageCurlDouble"/>
       </p:transition>
     </mc:Choice>
-    <mc:Fallback>
+    <mc:Fallback xmlns="">
       <p:transition spd="slow">
         <p:fade/>
       </p:transition>
@@ -5069,13 +5070,13 @@
   <p:clrMapOvr>
     <a:masterClrMapping/>
   </p:clrMapOvr>
-  <mc:AlternateContent xmlns:mc="http://schemas.openxmlformats.org/markup-compatibility/2006">
-    <mc:Choice xmlns:p15="http://schemas.microsoft.com/office/powerpoint/2012/main" Requires="p15">
+  <mc:AlternateContent xmlns:mc="http://schemas.openxmlformats.org/markup-compatibility/2006" xmlns:p15="http://schemas.microsoft.com/office/powerpoint/2012/main">
+    <mc:Choice Requires="p15">
       <p:transition xmlns:p14="http://schemas.microsoft.com/office/powerpoint/2010/main" spd="slow" p14:dur="1250">
         <p15:prstTrans prst="pageCurlDouble"/>
       </p:transition>
     </mc:Choice>
-    <mc:Fallback>
+    <mc:Fallback xmlns="">
       <p:transition spd="slow">
         <p:fade/>
       </p:transition>
@@ -5242,6 +5243,111 @@
       </p:grpSpPr>
       <p:sp>
         <p:nvSpPr>
+          <p:cNvPr id="2" name="Title 1">
+            <a:extLst>
+              <a:ext uri="{FF2B5EF4-FFF2-40B4-BE49-F238E27FC236}">
+                <a16:creationId xmlns:a16="http://schemas.microsoft.com/office/drawing/2014/main" id="{772474D4-12B4-A565-C2A0-3D0233ADC37D}"/>
+              </a:ext>
+            </a:extLst>
+          </p:cNvPr>
+          <p:cNvSpPr>
+            <a:spLocks noGrp="1"/>
+          </p:cNvSpPr>
+          <p:nvPr>
+            <p:ph type="title"/>
+          </p:nvPr>
+        </p:nvSpPr>
+        <p:spPr/>
+        <p:txBody>
+          <a:bodyPr/>
+          <a:lstStyle/>
+          <a:p>
+            <a:r>
+              <a:rPr lang="ru-RU" dirty="0"/>
+              <a:t>Реализация шашек</a:t>
+            </a:r>
+          </a:p>
+        </p:txBody>
+      </p:sp>
+      <p:pic>
+        <p:nvPicPr>
+          <p:cNvPr id="6" name="Content Placeholder 5">
+            <a:extLst>
+              <a:ext uri="{FF2B5EF4-FFF2-40B4-BE49-F238E27FC236}">
+                <a16:creationId xmlns:a16="http://schemas.microsoft.com/office/drawing/2014/main" id="{38E4DD47-35D8-70EF-906E-949BC6B71E31}"/>
+              </a:ext>
+            </a:extLst>
+          </p:cNvPr>
+          <p:cNvPicPr>
+            <a:picLocks noGrp="1" noChangeAspect="1"/>
+          </p:cNvPicPr>
+          <p:nvPr>
+            <p:ph sz="half" idx="1"/>
+          </p:nvPr>
+        </p:nvPicPr>
+        <p:blipFill>
+          <a:blip r:embed="rId2">
+            <a:extLst>
+              <a:ext uri="{28A0092B-C50C-407E-A947-70E740481C1C}">
+                <a14:useLocalDpi xmlns:a14="http://schemas.microsoft.com/office/drawing/2010/main" val="0"/>
+              </a:ext>
+            </a:extLst>
+          </a:blip>
+          <a:stretch>
+            <a:fillRect/>
+          </a:stretch>
+        </p:blipFill>
+        <p:spPr>
+          <a:xfrm>
+            <a:off x="1603568" y="1436417"/>
+            <a:ext cx="5936864" cy="5207614"/>
+          </a:xfrm>
+        </p:spPr>
+      </p:pic>
+    </p:spTree>
+    <p:extLst>
+      <p:ext uri="{BB962C8B-B14F-4D97-AF65-F5344CB8AC3E}">
+        <p14:creationId xmlns:p14="http://schemas.microsoft.com/office/powerpoint/2010/main" val="2175961898"/>
+      </p:ext>
+    </p:extLst>
+  </p:cSld>
+  <p:clrMapOvr>
+    <a:masterClrMapping/>
+  </p:clrMapOvr>
+  <mc:AlternateContent xmlns:mc="http://schemas.openxmlformats.org/markup-compatibility/2006" xmlns:p15="http://schemas.microsoft.com/office/powerpoint/2012/main">
+    <mc:Choice Requires="p15">
+      <p:transition xmlns:p14="http://schemas.microsoft.com/office/powerpoint/2010/main" spd="slow" p14:dur="1250">
+        <p15:prstTrans prst="pageCurlDouble"/>
+      </p:transition>
+    </mc:Choice>
+    <mc:Fallback xmlns="">
+      <p:transition spd="slow">
+        <p:fade/>
+      </p:transition>
+    </mc:Fallback>
+  </mc:AlternateContent>
+</p:sld>
+</file>
+
+<file path=ppt/slides/slide4.xml><?xml version="1.0" encoding="utf-8"?>
+<p:sld xmlns:a="http://schemas.openxmlformats.org/drawingml/2006/main" xmlns:r="http://schemas.openxmlformats.org/officeDocument/2006/relationships" xmlns:p="http://schemas.openxmlformats.org/presentationml/2006/main">
+  <p:cSld>
+    <p:spTree>
+      <p:nvGrpSpPr>
+        <p:cNvPr id="1" name=""/>
+        <p:cNvGrpSpPr/>
+        <p:nvPr/>
+      </p:nvGrpSpPr>
+      <p:grpSpPr>
+        <a:xfrm>
+          <a:off x="0" y="0"/>
+          <a:ext cx="0" cy="0"/>
+          <a:chOff x="0" y="0"/>
+          <a:chExt cx="0" cy="0"/>
+        </a:xfrm>
+      </p:grpSpPr>
+      <p:sp>
+        <p:nvSpPr>
           <p:cNvPr id="3" name="Заголовок 2"/>
           <p:cNvSpPr>
             <a:spLocks noGrp="1"/>
@@ -5391,13 +5497,13 @@
   <p:clrMapOvr>
     <a:masterClrMapping/>
   </p:clrMapOvr>
-  <mc:AlternateContent xmlns:mc="http://schemas.openxmlformats.org/markup-compatibility/2006">
-    <mc:Choice xmlns:p15="http://schemas.microsoft.com/office/powerpoint/2012/main" Requires="p15">
+  <mc:AlternateContent xmlns:mc="http://schemas.openxmlformats.org/markup-compatibility/2006" xmlns:p15="http://schemas.microsoft.com/office/powerpoint/2012/main">
+    <mc:Choice Requires="p15">
       <p:transition xmlns:p14="http://schemas.microsoft.com/office/powerpoint/2010/main" spd="slow" p14:dur="1250">
         <p15:prstTrans prst="pageCurlDouble"/>
       </p:transition>
     </mc:Choice>
-    <mc:Fallback>
+    <mc:Fallback xmlns="">
       <p:transition spd="slow">
         <p:fade/>
       </p:transition>
@@ -5503,7 +5609,7 @@
 </p:sld>
 </file>
 
-<file path=ppt/slides/slide4.xml><?xml version="1.0" encoding="utf-8"?>
+<file path=ppt/slides/slide5.xml><?xml version="1.0" encoding="utf-8"?>
 <p:sld xmlns:a="http://schemas.openxmlformats.org/drawingml/2006/main" xmlns:r="http://schemas.openxmlformats.org/officeDocument/2006/relationships" xmlns:p="http://schemas.openxmlformats.org/presentationml/2006/main">
   <p:cSld>
     <p:spTree>
@@ -5659,13 +5765,13 @@
   <p:clrMapOvr>
     <a:masterClrMapping/>
   </p:clrMapOvr>
-  <mc:AlternateContent xmlns:mc="http://schemas.openxmlformats.org/markup-compatibility/2006">
-    <mc:Choice xmlns:p15="http://schemas.microsoft.com/office/powerpoint/2012/main" Requires="p15">
+  <mc:AlternateContent xmlns:mc="http://schemas.openxmlformats.org/markup-compatibility/2006" xmlns:p15="http://schemas.microsoft.com/office/powerpoint/2012/main">
+    <mc:Choice Requires="p15">
       <p:transition xmlns:p14="http://schemas.microsoft.com/office/powerpoint/2010/main" spd="slow" p14:dur="1250">
         <p15:prstTrans prst="pageCurlDouble"/>
       </p:transition>
     </mc:Choice>
-    <mc:Fallback>
+    <mc:Fallback xmlns="">
       <p:transition spd="slow">
         <p:fade/>
       </p:transition>
@@ -5825,7 +5931,7 @@
 </p:sld>
 </file>
 
-<file path=ppt/slides/slide5.xml><?xml version="1.0" encoding="utf-8"?>
+<file path=ppt/slides/slide6.xml><?xml version="1.0" encoding="utf-8"?>
 <p:sld xmlns:a="http://schemas.openxmlformats.org/drawingml/2006/main" xmlns:r="http://schemas.openxmlformats.org/officeDocument/2006/relationships" xmlns:p="http://schemas.openxmlformats.org/presentationml/2006/main">
   <p:cSld>
     <p:spTree>
@@ -5952,13 +6058,13 @@
   <p:clrMapOvr>
     <a:masterClrMapping/>
   </p:clrMapOvr>
-  <mc:AlternateContent xmlns:mc="http://schemas.openxmlformats.org/markup-compatibility/2006">
-    <mc:Choice xmlns:p15="http://schemas.microsoft.com/office/powerpoint/2012/main" Requires="p15">
+  <mc:AlternateContent xmlns:mc="http://schemas.openxmlformats.org/markup-compatibility/2006" xmlns:p15="http://schemas.microsoft.com/office/powerpoint/2012/main">
+    <mc:Choice Requires="p15">
       <p:transition xmlns:p14="http://schemas.microsoft.com/office/powerpoint/2010/main" spd="slow" p14:dur="1250">
         <p15:prstTrans prst="pageCurlDouble"/>
       </p:transition>
     </mc:Choice>
-    <mc:Fallback>
+    <mc:Fallback xmlns="">
       <p:transition spd="slow">
         <p:fade/>
       </p:transition>
@@ -6146,7 +6252,7 @@
 </p:sld>
 </file>
 
-<file path=ppt/slides/slide6.xml><?xml version="1.0" encoding="utf-8"?>
+<file path=ppt/slides/slide7.xml><?xml version="1.0" encoding="utf-8"?>
 <p:sld xmlns:a="http://schemas.openxmlformats.org/drawingml/2006/main" xmlns:r="http://schemas.openxmlformats.org/officeDocument/2006/relationships" xmlns:p="http://schemas.openxmlformats.org/presentationml/2006/main">
   <p:cSld>
     <p:spTree>
@@ -6254,13 +6360,13 @@
   <p:clrMapOvr>
     <a:masterClrMapping/>
   </p:clrMapOvr>
-  <mc:AlternateContent xmlns:mc="http://schemas.openxmlformats.org/markup-compatibility/2006">
-    <mc:Choice xmlns:p15="http://schemas.microsoft.com/office/powerpoint/2012/main" Requires="p15">
+  <mc:AlternateContent xmlns:mc="http://schemas.openxmlformats.org/markup-compatibility/2006" xmlns:p15="http://schemas.microsoft.com/office/powerpoint/2012/main">
+    <mc:Choice Requires="p15">
       <p:transition xmlns:p14="http://schemas.microsoft.com/office/powerpoint/2010/main" spd="slow" p14:dur="1250">
         <p15:prstTrans prst="pageCurlDouble"/>
       </p:transition>
     </mc:Choice>
-    <mc:Fallback>
+    <mc:Fallback xmlns="">
       <p:transition spd="slow">
         <p:fade/>
       </p:transition>
@@ -6366,7 +6472,7 @@
 </p:sld>
 </file>
 
-<file path=ppt/slides/slide7.xml><?xml version="1.0" encoding="utf-8"?>
+<file path=ppt/slides/slide8.xml><?xml version="1.0" encoding="utf-8"?>
 <p:sld xmlns:a="http://schemas.openxmlformats.org/drawingml/2006/main" xmlns:r="http://schemas.openxmlformats.org/officeDocument/2006/relationships" xmlns:p="http://schemas.openxmlformats.org/presentationml/2006/main">
   <p:cSld>
     <p:spTree>
@@ -7626,13 +7732,13 @@
   <p:clrMapOvr>
     <a:masterClrMapping/>
   </p:clrMapOvr>
-  <mc:AlternateContent xmlns:mc="http://schemas.openxmlformats.org/markup-compatibility/2006">
-    <mc:Choice xmlns:p15="http://schemas.microsoft.com/office/powerpoint/2012/main" Requires="p15">
+  <mc:AlternateContent xmlns:mc="http://schemas.openxmlformats.org/markup-compatibility/2006" xmlns:p15="http://schemas.microsoft.com/office/powerpoint/2012/main">
+    <mc:Choice Requires="p15">
       <p:transition xmlns:p14="http://schemas.microsoft.com/office/powerpoint/2010/main" spd="slow" p14:dur="1250">
         <p15:prstTrans prst="pageCurlDouble"/>
       </p:transition>
     </mc:Choice>
-    <mc:Fallback>
+    <mc:Fallback xmlns="">
       <p:transition spd="slow">
         <p:fade/>
       </p:transition>
@@ -7790,7 +7896,7 @@
 </p:sld>
 </file>
 
-<file path=ppt/slides/slide8.xml><?xml version="1.0" encoding="utf-8"?>
+<file path=ppt/slides/slide9.xml><?xml version="1.0" encoding="utf-8"?>
 <p:sld xmlns:a="http://schemas.openxmlformats.org/drawingml/2006/main" xmlns:r="http://schemas.openxmlformats.org/officeDocument/2006/relationships" xmlns:p="http://schemas.openxmlformats.org/presentationml/2006/main">
   <p:cSld>
     <p:spTree>
@@ -7899,13 +8005,13 @@
   <p:clrMapOvr>
     <a:masterClrMapping/>
   </p:clrMapOvr>
-  <mc:AlternateContent xmlns:mc="http://schemas.openxmlformats.org/markup-compatibility/2006">
-    <mc:Choice xmlns:p15="http://schemas.microsoft.com/office/powerpoint/2012/main" Requires="p15">
+  <mc:AlternateContent xmlns:mc="http://schemas.openxmlformats.org/markup-compatibility/2006" xmlns:p15="http://schemas.microsoft.com/office/powerpoint/2012/main">
+    <mc:Choice Requires="p15">
       <p:transition xmlns:p14="http://schemas.microsoft.com/office/powerpoint/2010/main" spd="slow" p14:dur="1250">
         <p15:prstTrans prst="pageCurlDouble"/>
       </p:transition>
     </mc:Choice>
-    <mc:Fallback>
+    <mc:Fallback xmlns="">
       <p:transition spd="slow">
         <p:fade/>
       </p:transition>
